--- a/Labs/Lab1/Lab1 slides.pptx
+++ b/Labs/Lab1/Lab1 slides.pptx
@@ -109,6 +109,11 @@
       </a:defRPr>
     </a:lvl9pPr>
   </p:defaultTextStyle>
+  <p:extLst>
+    <p:ext uri="{EFAFB233-063F-42B5-8137-9DF3F51BA10A}">
+      <p15:sldGuideLst xmlns:p15="http://schemas.microsoft.com/office/powerpoint/2012/main"/>
+    </p:ext>
+  </p:extLst>
 </p:presentation>
 </file>
 
@@ -3530,7 +3535,7 @@
           <a:graphicData uri="http://schemas.openxmlformats.org/presentationml/2006/ole">
             <mc:AlternateContent xmlns:mc="http://schemas.openxmlformats.org/markup-compatibility/2006">
               <mc:Choice xmlns:v="urn:schemas-microsoft-com:vml" Requires="v">
-                <p:oleObj spid="_x0000_s1027" name="Document" r:id="rId3" imgW="5731988" imgH="1186963" progId="Word.OpenDocumentText.12">
+                <p:oleObj spid="_x0000_s1028" name="Document" r:id="rId3" imgW="5731988" imgH="1186963" progId="Word.OpenDocumentText.12">
                   <p:embed/>
                 </p:oleObj>
               </mc:Choice>
@@ -3730,7 +3735,7 @@
           <a:graphicData uri="http://schemas.openxmlformats.org/presentationml/2006/ole">
             <mc:AlternateContent xmlns:mc="http://schemas.openxmlformats.org/markup-compatibility/2006">
               <mc:Choice xmlns:v="urn:schemas-microsoft-com:vml" Requires="v">
-                <p:oleObj spid="_x0000_s2051" name="Document" r:id="rId3" imgW="5731988" imgH="1733462" progId="Word.OpenDocumentText.12">
+                <p:oleObj spid="_x0000_s2052" name="Document" r:id="rId3" imgW="5731988" imgH="1733462" progId="Word.OpenDocumentText.12">
                   <p:embed/>
                 </p:oleObj>
               </mc:Choice>
@@ -3860,7 +3865,7 @@
         </p:blipFill>
         <p:spPr bwMode="auto">
           <a:xfrm>
-            <a:off x="3025745" y="1690688"/>
+            <a:off x="4571913" y="1661592"/>
             <a:ext cx="5362476" cy="4577025"/>
           </a:xfrm>
           <a:prstGeom prst="rect">
@@ -3872,6 +3877,77 @@
           </a:ln>
         </p:spPr>
       </p:pic>
+      <p:sp>
+        <p:nvSpPr>
+          <p:cNvPr id="3" name="Rectangle 2">
+            <a:extLst>
+              <a:ext uri="{FF2B5EF4-FFF2-40B4-BE49-F238E27FC236}">
+                <a16:creationId xmlns:a16="http://schemas.microsoft.com/office/drawing/2014/main" id="{C2A09AA1-E4F0-41BF-B6D2-79B8BC4A12BB}"/>
+              </a:ext>
+            </a:extLst>
+          </p:cNvPr>
+          <p:cNvSpPr/>
+          <p:nvPr/>
+        </p:nvSpPr>
+        <p:spPr>
+          <a:xfrm>
+            <a:off x="138545" y="5101184"/>
+            <a:ext cx="3460866" cy="1561005"/>
+          </a:xfrm>
+          <a:prstGeom prst="rect">
+            <a:avLst/>
+          </a:prstGeom>
+        </p:spPr>
+        <p:txBody>
+          <a:bodyPr wrap="square">
+            <a:spAutoFit/>
+          </a:bodyPr>
+          <a:lstStyle/>
+          <a:p>
+            <a:pPr>
+              <a:lnSpc>
+                <a:spcPct val="107000"/>
+              </a:lnSpc>
+              <a:spcAft>
+                <a:spcPts val="800"/>
+              </a:spcAft>
+            </a:pPr>
+            <a:r>
+              <a:rPr lang="en-GB" dirty="0">
+                <a:latin typeface="Calibri" panose="020F0502020204030204" pitchFamily="34" charset="0"/>
+                <a:ea typeface="Times New Roman" panose="02020603050405020304" pitchFamily="18" charset="0"/>
+                <a:cs typeface="Times New Roman" panose="02020603050405020304" pitchFamily="18" charset="0"/>
+              </a:rPr>
+              <a:t>Image from: </a:t>
+            </a:r>
+            <a:r>
+              <a:rPr lang="en-GB" u="sng" dirty="0">
+                <a:solidFill>
+                  <a:srgbClr val="0563C1"/>
+                </a:solidFill>
+                <a:latin typeface="Calibri" panose="020F0502020204030204" pitchFamily="34" charset="0"/>
+                <a:ea typeface="Times New Roman" panose="02020603050405020304" pitchFamily="18" charset="0"/>
+                <a:cs typeface="Times New Roman" panose="02020603050405020304" pitchFamily="18" charset="0"/>
+                <a:hlinkClick r:id="rId3"/>
+              </a:rPr>
+              <a:t>https://levelup.gitconnected.com/big-o-time-complexity-what-it-is-and-why-it-matters-for-your-code-6c08dd97ad59</a:t>
+            </a:r>
+            <a:r>
+              <a:rPr lang="en-GB" dirty="0">
+                <a:latin typeface="Calibri" panose="020F0502020204030204" pitchFamily="34" charset="0"/>
+                <a:ea typeface="Times New Roman" panose="02020603050405020304" pitchFamily="18" charset="0"/>
+                <a:cs typeface="Times New Roman" panose="02020603050405020304" pitchFamily="18" charset="0"/>
+              </a:rPr>
+              <a:t> </a:t>
+            </a:r>
+            <a:endParaRPr lang="en-GB" dirty="0">
+              <a:latin typeface="Calibri" panose="020F0502020204030204" pitchFamily="34" charset="0"/>
+              <a:ea typeface="Calibri" panose="020F0502020204030204" pitchFamily="34" charset="0"/>
+              <a:cs typeface="Times New Roman" panose="02020603050405020304" pitchFamily="18" charset="0"/>
+            </a:endParaRPr>
+          </a:p>
+        </p:txBody>
+      </p:sp>
     </p:spTree>
     <p:extLst>
       <p:ext uri="{BB962C8B-B14F-4D97-AF65-F5344CB8AC3E}">
@@ -4027,7 +4103,7 @@
           <a:graphicData uri="http://schemas.openxmlformats.org/presentationml/2006/ole">
             <mc:AlternateContent xmlns:mc="http://schemas.openxmlformats.org/markup-compatibility/2006">
               <mc:Choice xmlns:v="urn:schemas-microsoft-com:vml" Requires="v">
-                <p:oleObj spid="_x0000_s3077" name="Document" r:id="rId3" imgW="5731988" imgH="1369489" progId="Word.OpenDocumentText.12">
+                <p:oleObj spid="_x0000_s3079" name="Document" r:id="rId3" imgW="5731988" imgH="1369489" progId="Word.OpenDocumentText.12">
                   <p:embed/>
                 </p:oleObj>
               </mc:Choice>
@@ -4169,7 +4245,7 @@
           <a:graphicData uri="http://schemas.openxmlformats.org/presentationml/2006/ole">
             <mc:AlternateContent xmlns:mc="http://schemas.openxmlformats.org/markup-compatibility/2006">
               <mc:Choice xmlns:v="urn:schemas-microsoft-com:vml" Requires="v">
-                <p:oleObj spid="_x0000_s3078" name="Document" r:id="rId5" imgW="5731560" imgH="465120" progId="Word.OpenDocumentText.12">
+                <p:oleObj spid="_x0000_s3080" name="Document" r:id="rId5" imgW="5731560" imgH="465120" progId="Word.OpenDocumentText.12">
                   <p:embed/>
                 </p:oleObj>
               </mc:Choice>
@@ -4407,7 +4483,7 @@
           <a:graphicData uri="http://schemas.openxmlformats.org/presentationml/2006/ole">
             <mc:AlternateContent xmlns:mc="http://schemas.openxmlformats.org/markup-compatibility/2006">
               <mc:Choice xmlns:v="urn:schemas-microsoft-com:vml" Requires="v">
-                <p:oleObj spid="_x0000_s4099" name="Document" r:id="rId3" imgW="5731988" imgH="2276362" progId="Word.OpenDocumentText.12">
+                <p:oleObj spid="_x0000_s4100" name="Document" r:id="rId3" imgW="5731988" imgH="2276362" progId="Word.OpenDocumentText.12">
                   <p:embed/>
                 </p:oleObj>
               </mc:Choice>
